--- a/docs/presentations/Sage300SDK_20191WebSDKOverview.pptx
+++ b/docs/presentations/Sage300SDK_20191WebSDKOverview.pptx
@@ -210,7 +210,7 @@
           <a:p>
             <a:fld id="{F8DE098C-C2B2-472C-9728-F51906A9149D}" type="datetimeFigureOut">
               <a:rPr lang="en-US" smtClean="0"/>
-              <a:t>10/10/2018</a:t>
+              <a:t>10/29/2018</a:t>
             </a:fld>
             <a:endParaRPr lang="en-US"/>
           </a:p>
@@ -2406,7 +2406,7 @@
                 </a:solidFill>
               </a:rPr>
               <a:pPr/>
-              <a:t>2018/10/10</a:t>
+              <a:t>2018/10/29</a:t>
             </a:fld>
             <a:endParaRPr lang="en-US">
               <a:solidFill>
@@ -2711,7 +2711,7 @@
                 </a:solidFill>
               </a:rPr>
               <a:pPr/>
-              <a:t>2018/10/10</a:t>
+              <a:t>2018/10/29</a:t>
             </a:fld>
             <a:endParaRPr lang="en-US">
               <a:solidFill>
@@ -2948,7 +2948,7 @@
             <a:fld id="{EE1C84F4-270C-2249-89D9-A705BDADDAAB}" type="datetime1">
               <a:rPr lang="en-ZA" smtClean="0"/>
               <a:pPr/>
-              <a:t>2018/10/10</a:t>
+              <a:t>2018/10/29</a:t>
             </a:fld>
             <a:endParaRPr lang="en-US"/>
           </a:p>
@@ -3287,7 +3287,7 @@
             <a:fld id="{2AE6851E-022E-D141-8BE0-1745E9557F71}" type="datetime1">
               <a:rPr lang="en-ZA" smtClean="0"/>
               <a:pPr/>
-              <a:t>2018/10/10</a:t>
+              <a:t>2018/10/29</a:t>
             </a:fld>
             <a:endParaRPr lang="en-US"/>
           </a:p>
@@ -5075,7 +5075,7 @@
           <a:p>
             <a:r>
               <a:rPr lang="en-US" dirty="0"/>
-              <a:t>Inquiry Configuration Wizard</a:t>
+              <a:t>Inquiry Configuration Utility</a:t>
             </a:r>
           </a:p>
         </p:txBody>
@@ -5110,7 +5110,7 @@
             <a:pPr lvl="2"/>
             <a:r>
               <a:rPr lang="en-US" sz="1600" dirty="0"/>
-              <a:t>Wizard allows for the creation of metadata to drive generic inquiry and adhoc inquiry displays</a:t>
+              <a:t>Utility allows for the creation of metadata to drive generic inquiry and adhoc inquiry displays</a:t>
             </a:r>
           </a:p>
         </p:txBody>

--- a/docs/presentations/Sage300SDK_20191WebSDKOverview.pptx
+++ b/docs/presentations/Sage300SDK_20191WebSDKOverview.pptx
@@ -210,7 +210,7 @@
           <a:p>
             <a:fld id="{F8DE098C-C2B2-472C-9728-F51906A9149D}" type="datetimeFigureOut">
               <a:rPr lang="en-US" smtClean="0"/>
-              <a:t>10/29/2018</a:t>
+              <a:t>12/19/2018</a:t>
             </a:fld>
             <a:endParaRPr lang="en-US"/>
           </a:p>
@@ -2406,7 +2406,7 @@
                 </a:solidFill>
               </a:rPr>
               <a:pPr/>
-              <a:t>2018/10/29</a:t>
+              <a:t>2018/12/19</a:t>
             </a:fld>
             <a:endParaRPr lang="en-US">
               <a:solidFill>
@@ -2711,7 +2711,7 @@
                 </a:solidFill>
               </a:rPr>
               <a:pPr/>
-              <a:t>2018/10/29</a:t>
+              <a:t>2018/12/19</a:t>
             </a:fld>
             <a:endParaRPr lang="en-US">
               <a:solidFill>
@@ -2948,7 +2948,7 @@
             <a:fld id="{EE1C84F4-270C-2249-89D9-A705BDADDAAB}" type="datetime1">
               <a:rPr lang="en-ZA" smtClean="0"/>
               <a:pPr/>
-              <a:t>2018/10/29</a:t>
+              <a:t>2018/12/19</a:t>
             </a:fld>
             <a:endParaRPr lang="en-US"/>
           </a:p>
@@ -3287,7 +3287,7 @@
             <a:fld id="{2AE6851E-022E-D141-8BE0-1745E9557F71}" type="datetime1">
               <a:rPr lang="en-ZA" smtClean="0"/>
               <a:pPr/>
-              <a:t>2018/10/29</a:t>
+              <a:t>2018/12/19</a:t>
             </a:fld>
             <a:endParaRPr lang="en-US"/>
           </a:p>
@@ -3859,7 +3859,7 @@
           <a:p>
             <a:r>
               <a:rPr lang="en-US" dirty="0"/>
-              <a:t>October 2018</a:t>
+              <a:t>December 2018</a:t>
             </a:r>
           </a:p>
         </p:txBody>
@@ -3958,6 +3958,42 @@
             </a:r>
           </a:p>
           <a:p>
+            <a:pPr lvl="1"/>
+            <a:r>
+              <a:rPr lang="en-US" sz="2400" dirty="0"/>
+              <a:t>Updated Sage300SDK_CodingPatterns.docx in </a:t>
+            </a:r>
+            <a:r>
+              <a:rPr lang="en-US" sz="2400" b="1" dirty="0"/>
+              <a:t>docs\patterns</a:t>
+            </a:r>
+          </a:p>
+          <a:p>
+            <a:pPr lvl="1"/>
+            <a:r>
+              <a:rPr lang="en-US" sz="2400" dirty="0"/>
+              <a:t>New docs for Inquiry Configuration Generator</a:t>
+            </a:r>
+          </a:p>
+          <a:p>
+            <a:pPr lvl="2"/>
+            <a:r>
+              <a:rPr lang="en-US" sz="2000" b="1" dirty="0"/>
+              <a:t>docs\utilities\Sage300SDK-InquiryConfigurationGeneratorUtility.docx</a:t>
+            </a:r>
+          </a:p>
+          <a:p>
+            <a:pPr lvl="2"/>
+            <a:r>
+              <a:rPr lang="en-US" sz="2000" b="1" dirty="0"/>
+              <a:t>docs\development\Sage300SDK-GenericInquiryConfigurationTutorial.docx</a:t>
+            </a:r>
+          </a:p>
+          <a:p>
+            <a:pPr lvl="2"/>
+            <a:endParaRPr lang="en-US" sz="2000" dirty="0"/>
+          </a:p>
+          <a:p>
             <a:pPr marL="0" lvl="1" indent="0">
               <a:buNone/>
             </a:pPr>
@@ -4083,13 +4119,6 @@
           <a:p>
             <a:pPr lvl="1"/>
             <a:endParaRPr lang="en-US" sz="2000" dirty="0"/>
-          </a:p>
-          <a:p>
-            <a:pPr lvl="1"/>
-            <a:r>
-              <a:rPr lang="en-US" sz="2000" dirty="0"/>
-              <a:t>See blog: </a:t>
-            </a:r>
           </a:p>
         </p:txBody>
       </p:sp>
@@ -4858,6 +4887,71 @@
               <a:t>Defects Corrected</a:t>
             </a:r>
           </a:p>
+          <a:p>
+            <a:pPr lvl="2"/>
+            <a:r>
+              <a:rPr lang="en-US" sz="1600" dirty="0"/>
+              <a:t>Generating a report project failed IF the {module}rpt.ini file contains a blank line</a:t>
+            </a:r>
+          </a:p>
+          <a:p>
+            <a:pPr lvl="2"/>
+            <a:r>
+              <a:rPr lang="en-US" sz="1600" dirty="0"/>
+              <a:t>Added optional parameters (, null, true) to </a:t>
+            </a:r>
+            <a:r>
+              <a:rPr lang="en-US" sz="1600" dirty="0" err="1"/>
+              <a:t>sg.finderhelper.setFinder</a:t>
+            </a:r>
+            <a:r>
+              <a:rPr lang="en-US" sz="1600" dirty="0"/>
+              <a:t> JavaScript method to force finder to fetch record</a:t>
+            </a:r>
+          </a:p>
+          <a:p>
+            <a:pPr lvl="3"/>
+            <a:r>
+              <a:rPr lang="en-US" sz="1400" dirty="0"/>
+              <a:t>All Samples updated with correction as well</a:t>
+            </a:r>
+          </a:p>
+          <a:p>
+            <a:pPr lvl="2"/>
+            <a:r>
+              <a:rPr lang="en-US" sz="1600" dirty="0"/>
+              <a:t>Changing of key field column name created error condition during generation</a:t>
+            </a:r>
+          </a:p>
+          <a:p>
+            <a:pPr lvl="2"/>
+            <a:r>
+              <a:rPr lang="en-US" sz="1600" dirty="0"/>
+              <a:t>Create correct C# data types from VB data types (i.e. Long </a:t>
+            </a:r>
+            <a:r>
+              <a:rPr lang="en-US" sz="1600" dirty="0">
+                <a:sym typeface="Wingdings" panose="05000000000000000000" pitchFamily="2" charset="2"/>
+              </a:rPr>
+              <a:t> Int, etc.)</a:t>
+            </a:r>
+          </a:p>
+          <a:p>
+            <a:pPr lvl="2"/>
+            <a:endParaRPr lang="en-US" sz="1600" dirty="0"/>
+          </a:p>
+          <a:p>
+            <a:pPr lvl="2"/>
+            <a:endParaRPr lang="en-US" sz="1600" dirty="0"/>
+          </a:p>
+          <a:p>
+            <a:pPr lvl="2"/>
+            <a:endParaRPr lang="en-US" sz="1600" dirty="0"/>
+          </a:p>
+          <a:p>
+            <a:pPr lvl="2"/>
+            <a:endParaRPr lang="en-US" sz="1600" dirty="0"/>
+          </a:p>
         </p:txBody>
       </p:sp>
     </p:spTree>
@@ -4938,6 +5032,13 @@
               <a:t>Global Files updated to 2019.1</a:t>
             </a:r>
           </a:p>
+          <a:p>
+            <a:pPr lvl="1"/>
+            <a:r>
+              <a:rPr lang="en-US" sz="2000" dirty="0"/>
+              <a:t>Added modules TA and TS for allowed customizations</a:t>
+            </a:r>
+          </a:p>
         </p:txBody>
       </p:sp>
     </p:spTree>
@@ -5020,6 +5121,13 @@
           </a:p>
           <a:p>
             <a:pPr lvl="1"/>
+            <a:r>
+              <a:rPr lang="en-US" sz="2000" dirty="0"/>
+              <a:t>No 2019.1 specific changes for this release</a:t>
+            </a:r>
+          </a:p>
+          <a:p>
+            <a:pPr lvl="1"/>
             <a:endParaRPr lang="en-US" sz="2000" dirty="0"/>
           </a:p>
           <a:p>
@@ -5093,7 +5201,7 @@
         <p:spPr>
           <a:xfrm>
             <a:off x="466025" y="1366944"/>
-            <a:ext cx="11571077" cy="5008456"/>
+            <a:ext cx="8906575" cy="5008456"/>
           </a:xfrm>
         </p:spPr>
         <p:txBody>
@@ -5103,7 +5211,7 @@
             <a:pPr lvl="1"/>
             <a:r>
               <a:rPr lang="en-US" sz="2000" dirty="0"/>
-              <a:t>TBD</a:t>
+              <a:t>New utility located in bin\utilities\Sage300InquiryConfigurationGenerator</a:t>
             </a:r>
           </a:p>
           <a:p>
@@ -5113,8 +5221,86 @@
               <a:t>Utility allows for the creation of metadata to drive generic inquiry and adhoc inquiry displays</a:t>
             </a:r>
           </a:p>
-        </p:txBody>
-      </p:sp>
+          <a:p>
+            <a:pPr lvl="2"/>
+            <a:r>
+              <a:rPr lang="en-US" sz="1600" dirty="0"/>
+              <a:t>Documentation in </a:t>
+            </a:r>
+            <a:r>
+              <a:rPr lang="en-US" sz="1600" b="1" dirty="0"/>
+              <a:t>docs\utilities</a:t>
+            </a:r>
+          </a:p>
+          <a:p>
+            <a:pPr lvl="2"/>
+            <a:r>
+              <a:rPr lang="en-US" sz="1600" dirty="0"/>
+              <a:t>Tutorial in </a:t>
+            </a:r>
+            <a:r>
+              <a:rPr lang="en-US" sz="1600" b="1" dirty="0"/>
+              <a:t>docs\development</a:t>
+            </a:r>
+          </a:p>
+          <a:p>
+            <a:pPr lvl="2"/>
+            <a:r>
+              <a:rPr lang="en-US" sz="1600" dirty="0"/>
+              <a:t>Source in </a:t>
+            </a:r>
+            <a:r>
+              <a:rPr lang="en-US" sz="1600" b="1" dirty="0" err="1"/>
+              <a:t>src</a:t>
+            </a:r>
+            <a:r>
+              <a:rPr lang="en-US" sz="1600" b="1" dirty="0"/>
+              <a:t>\utilities</a:t>
+            </a:r>
+          </a:p>
+          <a:p>
+            <a:pPr lvl="2"/>
+            <a:r>
+              <a:rPr lang="en-US" sz="1600" dirty="0"/>
+              <a:t>Metadata samples in </a:t>
+            </a:r>
+            <a:r>
+              <a:rPr lang="en-US" sz="1600" b="1" dirty="0"/>
+              <a:t>samples\inquiries\metadata</a:t>
+            </a:r>
+          </a:p>
+        </p:txBody>
+      </p:sp>
+      <p:pic>
+        <p:nvPicPr>
+          <p:cNvPr id="2" name="Picture 1">
+            <a:extLst>
+              <a:ext uri="{FF2B5EF4-FFF2-40B4-BE49-F238E27FC236}">
+                <a16:creationId xmlns:a16="http://schemas.microsoft.com/office/drawing/2014/main" id="{0729FA5F-C8E2-486D-85C0-E1B1D2FA8EFF}"/>
+              </a:ext>
+            </a:extLst>
+          </p:cNvPr>
+          <p:cNvPicPr>
+            <a:picLocks noChangeAspect="1"/>
+          </p:cNvPicPr>
+          <p:nvPr/>
+        </p:nvPicPr>
+        <p:blipFill>
+          <a:blip r:embed="rId3"/>
+          <a:stretch>
+            <a:fillRect/>
+          </a:stretch>
+        </p:blipFill>
+        <p:spPr>
+          <a:xfrm>
+            <a:off x="6096000" y="2368128"/>
+            <a:ext cx="5092700" cy="4251084"/>
+          </a:xfrm>
+          <a:prstGeom prst="rect">
+            <a:avLst/>
+          </a:prstGeom>
+        </p:spPr>
+      </p:pic>
     </p:spTree>
     <p:extLst>
       <p:ext uri="{BB962C8B-B14F-4D97-AF65-F5344CB8AC3E}">
@@ -5169,7 +5355,13 @@
       </p:sp>
       <p:sp>
         <p:nvSpPr>
-          <p:cNvPr id="12" name="Content Placeholder 4"/>
+          <p:cNvPr id="4" name="Content Placeholder 4">
+            <a:extLst>
+              <a:ext uri="{FF2B5EF4-FFF2-40B4-BE49-F238E27FC236}">
+                <a16:creationId xmlns:a16="http://schemas.microsoft.com/office/drawing/2014/main" id="{3F3EFE56-28F7-42AC-93BC-069057415195}"/>
+              </a:ext>
+            </a:extLst>
+          </p:cNvPr>
           <p:cNvSpPr>
             <a:spLocks noGrp="1"/>
           </p:cNvSpPr>
@@ -5180,7 +5372,7 @@
         <p:spPr>
           <a:xfrm>
             <a:off x="466025" y="1366944"/>
-            <a:ext cx="11571077" cy="5008456"/>
+            <a:ext cx="11379134" cy="5125296"/>
           </a:xfrm>
         </p:spPr>
         <p:txBody>
@@ -5188,6 +5380,40 @@
           <a:lstStyle/>
           <a:p>
             <a:pPr lvl="1"/>
+            <a:r>
+              <a:rPr lang="en-US" sz="2000" dirty="0"/>
+              <a:t>Global Files updated to 2019.1</a:t>
+            </a:r>
+          </a:p>
+          <a:p>
+            <a:pPr lvl="1"/>
+            <a:r>
+              <a:rPr lang="en-US" sz="2000" dirty="0"/>
+              <a:t>Added optional parameters (, null, true) to </a:t>
+            </a:r>
+            <a:r>
+              <a:rPr lang="en-US" sz="2000" dirty="0" err="1"/>
+              <a:t>sg.finderhelper.setFinder</a:t>
+            </a:r>
+            <a:r>
+              <a:rPr lang="en-US" sz="2000" dirty="0"/>
+              <a:t> JavaScript method to force finder to fetch record</a:t>
+            </a:r>
+          </a:p>
+          <a:p>
+            <a:pPr lvl="1"/>
+            <a:r>
+              <a:rPr lang="en-US" sz="2000" dirty="0"/>
+              <a:t>Added new sample metadata for Inquiry Configuration Generator</a:t>
+            </a:r>
+            <a:endParaRPr lang="en-US" sz="1600" dirty="0"/>
+          </a:p>
+          <a:p>
+            <a:pPr lvl="2"/>
+            <a:endParaRPr lang="en-US" sz="1600" dirty="0"/>
+          </a:p>
+          <a:p>
+            <a:pPr lvl="2"/>
             <a:endParaRPr lang="en-US" sz="1600" dirty="0"/>
           </a:p>
         </p:txBody>
@@ -5246,7 +5472,13 @@
       </p:sp>
       <p:sp>
         <p:nvSpPr>
-          <p:cNvPr id="12" name="Content Placeholder 4"/>
+          <p:cNvPr id="4" name="Content Placeholder 4">
+            <a:extLst>
+              <a:ext uri="{FF2B5EF4-FFF2-40B4-BE49-F238E27FC236}">
+                <a16:creationId xmlns:a16="http://schemas.microsoft.com/office/drawing/2014/main" id="{5454BE28-522F-46B0-88ED-CD536B73780D}"/>
+              </a:ext>
+            </a:extLst>
+          </p:cNvPr>
           <p:cNvSpPr>
             <a:spLocks noGrp="1"/>
           </p:cNvSpPr>
@@ -5257,7 +5489,7 @@
         <p:spPr>
           <a:xfrm>
             <a:off x="466025" y="1366944"/>
-            <a:ext cx="11571077" cy="5008456"/>
+            <a:ext cx="11379134" cy="5125296"/>
           </a:xfrm>
         </p:spPr>
         <p:txBody>
@@ -5265,7 +5497,15 @@
           <a:lstStyle/>
           <a:p>
             <a:pPr lvl="1"/>
-            <a:endParaRPr lang="en-US" sz="1800" dirty="0"/>
+            <a:r>
+              <a:rPr lang="en-US" sz="2000" dirty="0"/>
+              <a:t>Removed web.config file(s) from deployment folders</a:t>
+            </a:r>
+            <a:endParaRPr lang="en-US" sz="1600" dirty="0"/>
+          </a:p>
+          <a:p>
+            <a:pPr lvl="2"/>
+            <a:endParaRPr lang="en-US" sz="1600" dirty="0"/>
           </a:p>
         </p:txBody>
       </p:sp>
